--- a/Slides.pptx
+++ b/Slides.pptx
@@ -12,6 +12,7 @@
     <p:sldId id="267" r:id="rId6"/>
     <p:sldId id="268" r:id="rId7"/>
     <p:sldId id="269" r:id="rId8"/>
+    <p:sldId id="271" r:id="rId9"/>
   </p:sldIdLst>
   <p:sldSz cx="12192000" cy="6858000"/>
   <p:notesSz cx="6858000" cy="9144000"/>
@@ -4434,7 +4435,30 @@
           <a:bodyPr/>
           <a:lstStyle/>
           <a:p>
-            <a:endParaRPr lang="en-US" dirty="0"/>
+            <a:r>
+              <a:rPr lang="en-US" dirty="0"/>
+              <a:t>The accuracy for this project was 0.437</a:t>
+            </a:r>
+          </a:p>
+          <a:p>
+            <a:r>
+              <a:rPr lang="en-US" dirty="0"/>
+              <a:t>Considering the expected accuracy is 0.333 for random guessing, this is a disappointing result.  I think this can be attributed to two factors:</a:t>
+            </a:r>
+          </a:p>
+          <a:p>
+            <a:pPr lvl="1"/>
+            <a:r>
+              <a:rPr lang="en-US" dirty="0"/>
+              <a:t>This is a naïve model.  We’re searching for exact matches in the first several Google hits</a:t>
+            </a:r>
+          </a:p>
+          <a:p>
+            <a:pPr lvl="1"/>
+            <a:r>
+              <a:rPr lang="en-US" dirty="0"/>
+              <a:t>HQ Trivia designs questions that are often designed to be difficult to be able to Google quickly</a:t>
+            </a:r>
           </a:p>
         </p:txBody>
       </p:sp>
@@ -4442,6 +4466,188 @@
     <p:extLst>
       <p:ext uri="{BB962C8B-B14F-4D97-AF65-F5344CB8AC3E}">
         <p14:creationId xmlns:p14="http://schemas.microsoft.com/office/powerpoint/2010/main" val="350218969"/>
+      </p:ext>
+    </p:extLst>
+  </p:cSld>
+  <p:clrMapOvr>
+    <a:masterClrMapping/>
+  </p:clrMapOvr>
+</p:sld>
+</file>
+
+<file path=ppt/slides/slide8.xml><?xml version="1.0" encoding="utf-8"?>
+<p:sld xmlns:a="http://schemas.openxmlformats.org/drawingml/2006/main" xmlns:r="http://schemas.openxmlformats.org/officeDocument/2006/relationships" xmlns:p="http://schemas.openxmlformats.org/presentationml/2006/main">
+  <p:cSld>
+    <p:spTree>
+      <p:nvGrpSpPr>
+        <p:cNvPr id="1" name=""/>
+        <p:cNvGrpSpPr/>
+        <p:nvPr/>
+      </p:nvGrpSpPr>
+      <p:grpSpPr>
+        <a:xfrm>
+          <a:off x="0" y="0"/>
+          <a:ext cx="0" cy="0"/>
+          <a:chOff x="0" y="0"/>
+          <a:chExt cx="0" cy="0"/>
+        </a:xfrm>
+      </p:grpSpPr>
+      <p:sp>
+        <p:nvSpPr>
+          <p:cNvPr id="4" name="Rounded Rectangle 3">
+            <a:extLst>
+              <a:ext uri="{FF2B5EF4-FFF2-40B4-BE49-F238E27FC236}">
+                <a16:creationId xmlns:a16="http://schemas.microsoft.com/office/drawing/2014/main" id="{73D19872-FED0-6246-904B-661C7EB42825}"/>
+              </a:ext>
+            </a:extLst>
+          </p:cNvPr>
+          <p:cNvSpPr/>
+          <p:nvPr/>
+        </p:nvSpPr>
+        <p:spPr>
+          <a:xfrm>
+            <a:off x="2225842" y="288757"/>
+            <a:ext cx="7664116" cy="1660359"/>
+          </a:xfrm>
+          <a:prstGeom prst="roundRect">
+            <a:avLst/>
+          </a:prstGeom>
+          <a:solidFill>
+            <a:srgbClr val="41259C"/>
+          </a:solidFill>
+        </p:spPr>
+        <p:style>
+          <a:lnRef idx="2">
+            <a:schemeClr val="accent1">
+              <a:shade val="50000"/>
+            </a:schemeClr>
+          </a:lnRef>
+          <a:fillRef idx="1">
+            <a:schemeClr val="accent1"/>
+          </a:fillRef>
+          <a:effectRef idx="0">
+            <a:schemeClr val="accent1"/>
+          </a:effectRef>
+          <a:fontRef idx="minor">
+            <a:schemeClr val="lt1"/>
+          </a:fontRef>
+        </p:style>
+        <p:txBody>
+          <a:bodyPr rtlCol="0" anchor="ctr"/>
+          <a:lstStyle/>
+          <a:p>
+            <a:pPr algn="ctr"/>
+            <a:endParaRPr lang="en-US"/>
+          </a:p>
+        </p:txBody>
+      </p:sp>
+      <p:sp>
+        <p:nvSpPr>
+          <p:cNvPr id="5" name="TextBox 4">
+            <a:extLst>
+              <a:ext uri="{FF2B5EF4-FFF2-40B4-BE49-F238E27FC236}">
+                <a16:creationId xmlns:a16="http://schemas.microsoft.com/office/drawing/2014/main" id="{222E8A45-C7F7-D046-AAD7-9E3E9A226A8E}"/>
+              </a:ext>
+            </a:extLst>
+          </p:cNvPr>
+          <p:cNvSpPr txBox="1"/>
+          <p:nvPr/>
+        </p:nvSpPr>
+        <p:spPr>
+          <a:xfrm>
+            <a:off x="2441939" y="657271"/>
+            <a:ext cx="7231921" cy="923330"/>
+          </a:xfrm>
+          <a:prstGeom prst="rect">
+            <a:avLst/>
+          </a:prstGeom>
+          <a:noFill/>
+        </p:spPr>
+        <p:txBody>
+          <a:bodyPr wrap="square" rtlCol="0">
+            <a:spAutoFit/>
+          </a:bodyPr>
+          <a:lstStyle/>
+          <a:p>
+            <a:pPr algn="ctr"/>
+            <a:r>
+              <a:rPr lang="en-US" sz="5400" b="1" dirty="0">
+                <a:solidFill>
+                  <a:schemeClr val="bg1"/>
+                </a:solidFill>
+                <a:latin typeface="Gill Sans Ultra Bold" panose="020B0A02020104020203" pitchFamily="34" charset="77"/>
+                <a:cs typeface="Al Bayan" pitchFamily="2" charset="-78"/>
+              </a:rPr>
+              <a:t>ACCURACY</a:t>
+            </a:r>
+          </a:p>
+        </p:txBody>
+      </p:sp>
+      <p:sp>
+        <p:nvSpPr>
+          <p:cNvPr id="6" name="Content Placeholder 2">
+            <a:extLst>
+              <a:ext uri="{FF2B5EF4-FFF2-40B4-BE49-F238E27FC236}">
+                <a16:creationId xmlns:a16="http://schemas.microsoft.com/office/drawing/2014/main" id="{1557F645-4973-BA48-A923-50D03E8CCB0C}"/>
+              </a:ext>
+            </a:extLst>
+          </p:cNvPr>
+          <p:cNvSpPr>
+            <a:spLocks noGrp="1"/>
+          </p:cNvSpPr>
+          <p:nvPr>
+            <p:ph idx="1"/>
+          </p:nvPr>
+        </p:nvSpPr>
+        <p:spPr>
+          <a:xfrm>
+            <a:off x="838200" y="2538663"/>
+            <a:ext cx="10515600" cy="3638300"/>
+          </a:xfrm>
+        </p:spPr>
+        <p:txBody>
+          <a:bodyPr/>
+          <a:lstStyle/>
+          <a:p>
+            <a:r>
+              <a:rPr lang="en-US" dirty="0"/>
+              <a:t>Given more time, there are a number of improvements that could be made:</a:t>
+            </a:r>
+          </a:p>
+          <a:p>
+            <a:pPr lvl="1"/>
+            <a:r>
+              <a:rPr lang="en-US" dirty="0"/>
+              <a:t>Include a “NOT” modifier for negative questions</a:t>
+            </a:r>
+          </a:p>
+          <a:p>
+            <a:pPr lvl="1"/>
+            <a:r>
+              <a:rPr lang="en-US" dirty="0"/>
+              <a:t>Classify the questions into different categories</a:t>
+            </a:r>
+          </a:p>
+          <a:p>
+            <a:pPr lvl="1"/>
+            <a:r>
+              <a:rPr lang="en-US" dirty="0"/>
+              <a:t>Weight results differently</a:t>
+            </a:r>
+          </a:p>
+          <a:p>
+            <a:pPr lvl="1"/>
+            <a:r>
+              <a:rPr lang="en-US"/>
+              <a:t>Improve scoring metric</a:t>
+            </a:r>
+          </a:p>
+        </p:txBody>
+      </p:sp>
+    </p:spTree>
+    <p:extLst>
+      <p:ext uri="{BB962C8B-B14F-4D97-AF65-F5344CB8AC3E}">
+        <p14:creationId xmlns:p14="http://schemas.microsoft.com/office/powerpoint/2010/main" val="2692065245"/>
       </p:ext>
     </p:extLst>
   </p:cSld>

--- a/Slides.pptx
+++ b/Slides.pptx
@@ -4638,7 +4638,7 @@
           <a:p>
             <a:pPr lvl="1"/>
             <a:r>
-              <a:rPr lang="en-US"/>
+              <a:rPr lang="en-US" dirty="0"/>
               <a:t>Improve scoring metric</a:t>
             </a:r>
           </a:p>
